--- a/Casomira/Prezentace_2.pptx
+++ b/Casomira/Prezentace_2.pptx
@@ -111,6 +111,11 @@
       </a:defRPr>
     </a:lvl9pPr>
   </p:defaultTextStyle>
+  <p:extLst>
+    <p:ext uri="{EFAFB233-063F-42B5-8137-9DF3F51BA10A}">
+      <p15:sldGuideLst xmlns:p15="http://schemas.microsoft.com/office/powerpoint/2012/main"/>
+    </p:ext>
+  </p:extLst>
 </p:presentation>
 </file>
 
@@ -1785,7 +1790,7 @@
 <file path=ppt/diagrams/data1.xml><?xml version="1.0" encoding="utf-8"?>
 <dgm:dataModel xmlns:dgm="http://schemas.openxmlformats.org/drawingml/2006/diagram" xmlns:a="http://schemas.openxmlformats.org/drawingml/2006/main">
   <dgm:ptLst>
-    <dgm:pt modelId="{D9EFEFC8-DC97-497F-858B-33FE86303197}" type="doc">
+    <dgm:pt modelId="{4A73C27A-4597-4A7C-B210-47D655F6DF34}" type="doc">
       <dgm:prSet loTypeId="urn:microsoft.com/office/officeart/2018/2/layout/IconLabelList" loCatId="icon" qsTypeId="urn:microsoft.com/office/officeart/2005/8/quickstyle/simple1" qsCatId="simple" csTypeId="urn:microsoft.com/office/officeart/2018/5/colors/Iconchunking_neutralbg_colorful1" csCatId="colorful" phldr="1"/>
       <dgm:spPr/>
       <dgm:t>
@@ -1796,18 +1801,13 @@
         </a:p>
       </dgm:t>
     </dgm:pt>
-    <dgm:pt modelId="{04938BAC-0D98-4FF0-B2E2-666129E7ED9B}">
+    <dgm:pt modelId="{AE341B92-2B17-4647-85E6-331CC7F213D4}">
       <dgm:prSet/>
       <dgm:spPr/>
       <dgm:t>
         <a:bodyPr/>
         <a:lstStyle/>
         <a:p>
-          <a:pPr>
-            <a:lnSpc>
-              <a:spcPct val="100000"/>
-            </a:lnSpc>
-          </a:pPr>
           <a:r>
             <a:rPr lang="cs-CZ" dirty="0"/>
             <a:t>Hotové GUI</a:t>
@@ -1816,7 +1816,7 @@
         </a:p>
       </dgm:t>
     </dgm:pt>
-    <dgm:pt modelId="{0B4AE362-3B88-4A8C-B25E-0874EC4399FD}" type="parTrans" cxnId="{B0AF6AA2-7DCF-4EA4-8DAF-6DFD4901A8DE}">
+    <dgm:pt modelId="{B8A2CB2E-60D3-4699-BCA3-6646FEFA2BB7}" type="parTrans" cxnId="{FA6427C9-21DE-47A7-AD91-63479EAC9C45}">
       <dgm:prSet/>
       <dgm:spPr/>
       <dgm:t>
@@ -1827,7 +1827,7 @@
         </a:p>
       </dgm:t>
     </dgm:pt>
-    <dgm:pt modelId="{F7AB13BD-9B05-4D48-99DF-4681BA1B8192}" type="sibTrans" cxnId="{B0AF6AA2-7DCF-4EA4-8DAF-6DFD4901A8DE}">
+    <dgm:pt modelId="{C4BFE801-C255-448D-828B-CE2A3715B6CC}" type="sibTrans" cxnId="{FA6427C9-21DE-47A7-AD91-63479EAC9C45}">
       <dgm:prSet/>
       <dgm:spPr/>
       <dgm:t>
@@ -1838,18 +1838,13 @@
         </a:p>
       </dgm:t>
     </dgm:pt>
-    <dgm:pt modelId="{FEE8877B-5480-47D5-A652-A57AD52C27BA}">
+    <dgm:pt modelId="{0A6B007C-D419-4A9E-B7B3-A069D1E6B2A4}">
       <dgm:prSet/>
       <dgm:spPr/>
       <dgm:t>
         <a:bodyPr/>
         <a:lstStyle/>
         <a:p>
-          <a:pPr>
-            <a:lnSpc>
-              <a:spcPct val="100000"/>
-            </a:lnSpc>
-          </a:pPr>
           <a:r>
             <a:rPr lang="cs-CZ"/>
             <a:t>Hotové menu</a:t>
@@ -1858,7 +1853,7 @@
         </a:p>
       </dgm:t>
     </dgm:pt>
-    <dgm:pt modelId="{01017DB7-86CD-4B14-9587-5ABB0094643B}" type="parTrans" cxnId="{A934771E-D017-4408-A8B8-2C1120D15CE1}">
+    <dgm:pt modelId="{EB5BEF61-6B3E-40BB-8EFE-AD09139E431C}" type="parTrans" cxnId="{2AA69A17-C630-41B4-8A68-8961CDB16BED}">
       <dgm:prSet/>
       <dgm:spPr/>
       <dgm:t>
@@ -1869,7 +1864,7 @@
         </a:p>
       </dgm:t>
     </dgm:pt>
-    <dgm:pt modelId="{5EE3D280-C9BA-40FB-950C-A9ABBFEBBA85}" type="sibTrans" cxnId="{A934771E-D017-4408-A8B8-2C1120D15CE1}">
+    <dgm:pt modelId="{41D7EFB5-66A4-4F05-AE6B-1E11BED5DF48}" type="sibTrans" cxnId="{2AA69A17-C630-41B4-8A68-8961CDB16BED}">
       <dgm:prSet/>
       <dgm:spPr/>
       <dgm:t>
@@ -1880,27 +1875,22 @@
         </a:p>
       </dgm:t>
     </dgm:pt>
-    <dgm:pt modelId="{3E6DEC18-5C37-4FFA-9E1A-CAA0F6E0CF4A}">
+    <dgm:pt modelId="{F117B72E-F8B7-4E45-A72F-45E069B27A36}">
       <dgm:prSet/>
       <dgm:spPr/>
       <dgm:t>
         <a:bodyPr/>
         <a:lstStyle/>
         <a:p>
-          <a:pPr>
-            <a:lnSpc>
-              <a:spcPct val="100000"/>
-            </a:lnSpc>
-          </a:pPr>
           <a:r>
             <a:rPr lang="cs-CZ" dirty="0"/>
-            <a:t>Žádné funkce</a:t>
+            <a:t>Žádný čas/odpočty</a:t>
           </a:r>
           <a:endParaRPr lang="en-US" dirty="0"/>
         </a:p>
       </dgm:t>
     </dgm:pt>
-    <dgm:pt modelId="{12056B36-4DA6-4F9D-AE84-C83CE2907A38}" type="parTrans" cxnId="{8FDDBDB2-DB2D-4F9F-9AA5-0415F2593C7C}">
+    <dgm:pt modelId="{740BD74B-1166-4A24-ABFA-E5854C112CB2}" type="parTrans" cxnId="{6E3D62C3-1129-4615-8D1C-02587343D815}">
       <dgm:prSet/>
       <dgm:spPr/>
       <dgm:t>
@@ -1911,7 +1901,7 @@
         </a:p>
       </dgm:t>
     </dgm:pt>
-    <dgm:pt modelId="{47971687-77F0-4B58-B234-F5EBCAD2AC0A}" type="sibTrans" cxnId="{8FDDBDB2-DB2D-4F9F-9AA5-0415F2593C7C}">
+    <dgm:pt modelId="{90568F44-FAAF-4CD1-AB3A-96FCAD27485D}" type="sibTrans" cxnId="{6E3D62C3-1129-4615-8D1C-02587343D815}">
       <dgm:prSet/>
       <dgm:spPr/>
       <dgm:t>
@@ -1922,54 +1912,8 @@
         </a:p>
       </dgm:t>
     </dgm:pt>
-    <dgm:pt modelId="{D21EBDD7-7469-4D04-8891-48AD3D8048BC}">
-      <dgm:prSet/>
-      <dgm:spPr/>
-      <dgm:t>
-        <a:bodyPr/>
-        <a:lstStyle/>
-        <a:p>
-          <a:pPr>
-            <a:lnSpc>
-              <a:spcPct val="100000"/>
-            </a:lnSpc>
-          </a:pPr>
-          <a:r>
-            <a:rPr lang="cs-CZ" dirty="0"/>
-            <a:t>Žádný </a:t>
-          </a:r>
-          <a:r>
-            <a:rPr lang="cs-CZ" dirty="0" err="1"/>
-            <a:t>datamodel</a:t>
-          </a:r>
-          <a:endParaRPr lang="en-US" dirty="0"/>
-        </a:p>
-      </dgm:t>
-    </dgm:pt>
-    <dgm:pt modelId="{495C1F63-FDA9-4F4A-AE87-10216A4A6E2D}" type="parTrans" cxnId="{15FF9954-B977-40FA-AB65-CC0014EF84CB}">
-      <dgm:prSet/>
-      <dgm:spPr/>
-      <dgm:t>
-        <a:bodyPr/>
-        <a:lstStyle/>
-        <a:p>
-          <a:endParaRPr lang="en-US"/>
-        </a:p>
-      </dgm:t>
-    </dgm:pt>
-    <dgm:pt modelId="{A4BE085A-5981-4527-B879-926ED4B4CB58}" type="sibTrans" cxnId="{15FF9954-B977-40FA-AB65-CC0014EF84CB}">
-      <dgm:prSet/>
-      <dgm:spPr/>
-      <dgm:t>
-        <a:bodyPr/>
-        <a:lstStyle/>
-        <a:p>
-          <a:endParaRPr lang="en-US"/>
-        </a:p>
-      </dgm:t>
-    </dgm:pt>
-    <dgm:pt modelId="{C3DA56C7-A342-4B51-B710-FB2C31B7BB57}" type="pres">
-      <dgm:prSet presAssocID="{D9EFEFC8-DC97-497F-858B-33FE86303197}" presName="root" presStyleCnt="0">
+    <dgm:pt modelId="{F0F0A9F5-DD68-421A-8969-84179BEC1436}" type="pres">
+      <dgm:prSet presAssocID="{4A73C27A-4597-4A7C-B210-47D655F6DF34}" presName="root" presStyleCnt="0">
         <dgm:presLayoutVars>
           <dgm:dir/>
           <dgm:resizeHandles val="exact"/>
@@ -1977,44 +1921,12 @@
       </dgm:prSet>
       <dgm:spPr/>
     </dgm:pt>
-    <dgm:pt modelId="{AB8848D9-0192-44AE-BE34-9588B925D421}" type="pres">
-      <dgm:prSet presAssocID="{04938BAC-0D98-4FF0-B2E2-666129E7ED9B}" presName="compNode" presStyleCnt="0"/>
+    <dgm:pt modelId="{02D12A4A-0782-43B0-A6EC-F2E032A67AD2}" type="pres">
+      <dgm:prSet presAssocID="{AE341B92-2B17-4647-85E6-331CC7F213D4}" presName="compNode" presStyleCnt="0"/>
       <dgm:spPr/>
     </dgm:pt>
-    <dgm:pt modelId="{97639C32-07EF-4E31-82DF-6C393B2154F7}" type="pres">
-      <dgm:prSet presAssocID="{04938BAC-0D98-4FF0-B2E2-666129E7ED9B}" presName="iconRect" presStyleLbl="node1" presStyleIdx="0" presStyleCnt="4" custFlipVert="0" custFlipHor="1" custScaleX="4971" custScaleY="23796" custLinFactX="2253079" custLinFactY="-300000" custLinFactNeighborX="2300000" custLinFactNeighborY="-332688"/>
-      <dgm:spPr>
-        <a:solidFill>
-          <a:schemeClr val="bg1"/>
-        </a:solidFill>
-        <a:ln>
-          <a:noFill/>
-        </a:ln>
-      </dgm:spPr>
-    </dgm:pt>
-    <dgm:pt modelId="{B472253B-F0E0-4CC9-95FD-4339A8CC01AB}" type="pres">
-      <dgm:prSet presAssocID="{04938BAC-0D98-4FF0-B2E2-666129E7ED9B}" presName="spaceRect" presStyleCnt="0"/>
-      <dgm:spPr/>
-    </dgm:pt>
-    <dgm:pt modelId="{3A7DD5E1-5784-4D59-8285-610F7DDEEE7C}" type="pres">
-      <dgm:prSet presAssocID="{04938BAC-0D98-4FF0-B2E2-666129E7ED9B}" presName="textRect" presStyleLbl="revTx" presStyleIdx="0" presStyleCnt="4" custLinFactNeighborX="-434" custLinFactNeighborY="55164">
-        <dgm:presLayoutVars>
-          <dgm:chMax val="1"/>
-          <dgm:chPref val="1"/>
-        </dgm:presLayoutVars>
-      </dgm:prSet>
-      <dgm:spPr/>
-    </dgm:pt>
-    <dgm:pt modelId="{CA3A4696-75BC-4FF0-A62D-F73D546D875D}" type="pres">
-      <dgm:prSet presAssocID="{F7AB13BD-9B05-4D48-99DF-4681BA1B8192}" presName="sibTrans" presStyleCnt="0"/>
-      <dgm:spPr/>
-    </dgm:pt>
-    <dgm:pt modelId="{FC12E734-EB1B-4B22-A60D-F4FD007ACB88}" type="pres">
-      <dgm:prSet presAssocID="{FEE8877B-5480-47D5-A652-A57AD52C27BA}" presName="compNode" presStyleCnt="0"/>
-      <dgm:spPr/>
-    </dgm:pt>
-    <dgm:pt modelId="{98732DEE-66BA-4579-A672-29C76EBDAFE5}" type="pres">
-      <dgm:prSet presAssocID="{FEE8877B-5480-47D5-A652-A57AD52C27BA}" presName="iconRect" presStyleLbl="node1" presStyleIdx="1" presStyleCnt="4" custLinFactNeighborX="-965" custLinFactNeighborY="-15549"/>
+    <dgm:pt modelId="{4E572E14-821D-4D5B-A798-712B6BA490F8}" type="pres">
+      <dgm:prSet presAssocID="{AE341B92-2B17-4647-85E6-331CC7F213D4}" presName="iconRect" presStyleLbl="node1" presStyleIdx="0" presStyleCnt="3"/>
       <dgm:spPr>
         <a:blipFill>
           <a:blip xmlns:r="http://schemas.openxmlformats.org/officeDocument/2006/relationships" r:embed="rId1">
@@ -2027,6 +1939,7 @@
               </a:ext>
             </a:extLst>
           </a:blip>
+          <a:srcRect/>
           <a:stretch>
             <a:fillRect/>
           </a:stretch>
@@ -2037,16 +1950,16 @@
       </dgm:spPr>
       <dgm:extLst>
         <a:ext uri="{E40237B7-FDA0-4F09-8148-C483321AD2D9}">
-          <dgm14:cNvPr xmlns:dgm14="http://schemas.microsoft.com/office/drawing/2010/diagram" id="0" name="" descr="Table Setting"/>
+          <dgm14:cNvPr xmlns:dgm14="http://schemas.microsoft.com/office/drawing/2010/diagram" id="0" name="" descr="Zaškrtnutí"/>
         </a:ext>
       </dgm:extLst>
     </dgm:pt>
-    <dgm:pt modelId="{1B574249-C032-4562-811C-899A26C8865A}" type="pres">
-      <dgm:prSet presAssocID="{FEE8877B-5480-47D5-A652-A57AD52C27BA}" presName="spaceRect" presStyleCnt="0"/>
+    <dgm:pt modelId="{957793B0-5BEC-4015-B23E-6466E40A2AD5}" type="pres">
+      <dgm:prSet presAssocID="{AE341B92-2B17-4647-85E6-331CC7F213D4}" presName="spaceRect" presStyleCnt="0"/>
       <dgm:spPr/>
     </dgm:pt>
-    <dgm:pt modelId="{89124B8E-3256-40F4-A33C-37196D74DCE1}" type="pres">
-      <dgm:prSet presAssocID="{FEE8877B-5480-47D5-A652-A57AD52C27BA}" presName="textRect" presStyleLbl="revTx" presStyleIdx="1" presStyleCnt="4">
+    <dgm:pt modelId="{97BE085C-483A-4EBE-AC56-A8E9942B7F7A}" type="pres">
+      <dgm:prSet presAssocID="{AE341B92-2B17-4647-85E6-331CC7F213D4}" presName="textRect" presStyleLbl="revTx" presStyleIdx="0" presStyleCnt="3">
         <dgm:presLayoutVars>
           <dgm:chMax val="1"/>
           <dgm:chPref val="1"/>
@@ -2054,16 +1967,16 @@
       </dgm:prSet>
       <dgm:spPr/>
     </dgm:pt>
-    <dgm:pt modelId="{0E341D7B-5E0E-42F9-A97A-B5A74FF1BF07}" type="pres">
-      <dgm:prSet presAssocID="{5EE3D280-C9BA-40FB-950C-A9ABBFEBBA85}" presName="sibTrans" presStyleCnt="0"/>
+    <dgm:pt modelId="{D4B1C0AB-9B0E-4CC1-B147-B1EEE3D0C724}" type="pres">
+      <dgm:prSet presAssocID="{C4BFE801-C255-448D-828B-CE2A3715B6CC}" presName="sibTrans" presStyleCnt="0"/>
       <dgm:spPr/>
     </dgm:pt>
-    <dgm:pt modelId="{3BC028A0-55BA-48E0-824C-47F62E0AD771}" type="pres">
-      <dgm:prSet presAssocID="{3E6DEC18-5C37-4FFA-9E1A-CAA0F6E0CF4A}" presName="compNode" presStyleCnt="0"/>
+    <dgm:pt modelId="{D0F23C4B-01D8-48C2-A040-82FB9EB541FE}" type="pres">
+      <dgm:prSet presAssocID="{0A6B007C-D419-4A9E-B7B3-A069D1E6B2A4}" presName="compNode" presStyleCnt="0"/>
       <dgm:spPr/>
     </dgm:pt>
-    <dgm:pt modelId="{A62EAE35-BD9B-4601-BB70-C0618A49F173}" type="pres">
-      <dgm:prSet presAssocID="{3E6DEC18-5C37-4FFA-9E1A-CAA0F6E0CF4A}" presName="iconRect" presStyleLbl="node1" presStyleIdx="2" presStyleCnt="4" custLinFactX="-226074" custLinFactNeighborX="-300000" custLinFactNeighborY="-15550"/>
+    <dgm:pt modelId="{397AF972-6AA9-4B67-9B4F-98E87DD4BE80}" type="pres">
+      <dgm:prSet presAssocID="{0A6B007C-D419-4A9E-B7B3-A069D1E6B2A4}" presName="iconRect" presStyleLbl="node1" presStyleIdx="1" presStyleCnt="3"/>
       <dgm:spPr>
         <a:blipFill>
           <a:blip xmlns:r="http://schemas.openxmlformats.org/officeDocument/2006/relationships" r:embed="rId3">
@@ -2086,16 +1999,16 @@
       </dgm:spPr>
       <dgm:extLst>
         <a:ext uri="{E40237B7-FDA0-4F09-8148-C483321AD2D9}">
-          <dgm14:cNvPr xmlns:dgm14="http://schemas.microsoft.com/office/drawing/2010/diagram" id="0" name="" descr="Checkmark"/>
+          <dgm14:cNvPr xmlns:dgm14="http://schemas.microsoft.com/office/drawing/2010/diagram" id="0" name="" descr="Table Setting"/>
         </a:ext>
       </dgm:extLst>
     </dgm:pt>
-    <dgm:pt modelId="{3E2D9AE0-0E11-4D0A-8439-99A8420445C2}" type="pres">
-      <dgm:prSet presAssocID="{3E6DEC18-5C37-4FFA-9E1A-CAA0F6E0CF4A}" presName="spaceRect" presStyleCnt="0"/>
+    <dgm:pt modelId="{CB3CB6FE-15E8-4D4C-8687-400A860A01F6}" type="pres">
+      <dgm:prSet presAssocID="{0A6B007C-D419-4A9E-B7B3-A069D1E6B2A4}" presName="spaceRect" presStyleCnt="0"/>
       <dgm:spPr/>
     </dgm:pt>
-    <dgm:pt modelId="{AA549878-9D82-484E-9247-A2568DED6B0F}" type="pres">
-      <dgm:prSet presAssocID="{3E6DEC18-5C37-4FFA-9E1A-CAA0F6E0CF4A}" presName="textRect" presStyleLbl="revTx" presStyleIdx="2" presStyleCnt="4">
+    <dgm:pt modelId="{743784F2-EE7F-412C-B83A-63279A2FE202}" type="pres">
+      <dgm:prSet presAssocID="{0A6B007C-D419-4A9E-B7B3-A069D1E6B2A4}" presName="textRect" presStyleLbl="revTx" presStyleIdx="1" presStyleCnt="3">
         <dgm:presLayoutVars>
           <dgm:chMax val="1"/>
           <dgm:chPref val="1"/>
@@ -2103,18 +2016,18 @@
       </dgm:prSet>
       <dgm:spPr/>
     </dgm:pt>
-    <dgm:pt modelId="{B6C02647-AB1E-40CC-8B5E-2666494EB315}" type="pres">
-      <dgm:prSet presAssocID="{47971687-77F0-4B58-B234-F5EBCAD2AC0A}" presName="sibTrans" presStyleCnt="0"/>
+    <dgm:pt modelId="{3AE84512-6C89-4C5D-AB1B-3219E9149AC8}" type="pres">
+      <dgm:prSet presAssocID="{41D7EFB5-66A4-4F05-AE6B-1E11BED5DF48}" presName="sibTrans" presStyleCnt="0"/>
       <dgm:spPr/>
     </dgm:pt>
-    <dgm:pt modelId="{E30AD86D-A92C-49C2-B74A-A0A6221BD828}" type="pres">
-      <dgm:prSet presAssocID="{D21EBDD7-7469-4D04-8891-48AD3D8048BC}" presName="compNode" presStyleCnt="0"/>
+    <dgm:pt modelId="{52797D33-3F4A-4BC2-8299-95ECBDB53F47}" type="pres">
+      <dgm:prSet presAssocID="{F117B72E-F8B7-4E45-A72F-45E069B27A36}" presName="compNode" presStyleCnt="0"/>
       <dgm:spPr/>
     </dgm:pt>
-    <dgm:pt modelId="{4BD08252-098A-4C48-A2DD-F39748723F16}" type="pres">
-      <dgm:prSet presAssocID="{D21EBDD7-7469-4D04-8891-48AD3D8048BC}" presName="iconRect" presStyleLbl="node1" presStyleIdx="3" presStyleCnt="4" custLinFactX="-100000" custLinFactNeighborX="-166415" custLinFactNeighborY="-15549"/>
+    <dgm:pt modelId="{2D9A3F1E-CA1E-48E7-8E28-14C4FD84F543}" type="pres">
+      <dgm:prSet presAssocID="{F117B72E-F8B7-4E45-A72F-45E069B27A36}" presName="iconRect" presStyleLbl="node1" presStyleIdx="2" presStyleCnt="3"/>
       <dgm:spPr>
-        <a:blipFill rotWithShape="1">
+        <a:blipFill>
           <a:blip xmlns:r="http://schemas.openxmlformats.org/officeDocument/2006/relationships" r:embed="rId5">
             <a:extLst>
               <a:ext uri="{28A0092B-C50C-407E-A947-70E740481C1C}">
@@ -2125,7 +2038,6 @@
               </a:ext>
             </a:extLst>
           </a:blip>
-          <a:srcRect/>
           <a:stretch>
             <a:fillRect/>
           </a:stretch>
@@ -2140,12 +2052,12 @@
         </a:ext>
       </dgm:extLst>
     </dgm:pt>
-    <dgm:pt modelId="{B06F4599-7562-4DD5-A27A-C5B9FCBA9A19}" type="pres">
-      <dgm:prSet presAssocID="{D21EBDD7-7469-4D04-8891-48AD3D8048BC}" presName="spaceRect" presStyleCnt="0"/>
+    <dgm:pt modelId="{AFEBC0CB-7CBA-4BC2-8132-299702654F28}" type="pres">
+      <dgm:prSet presAssocID="{F117B72E-F8B7-4E45-A72F-45E069B27A36}" presName="spaceRect" presStyleCnt="0"/>
       <dgm:spPr/>
     </dgm:pt>
-    <dgm:pt modelId="{36CA21E8-0A3E-4E7B-BCF0-B7A04CC3786D}" type="pres">
-      <dgm:prSet presAssocID="{D21EBDD7-7469-4D04-8891-48AD3D8048BC}" presName="textRect" presStyleLbl="revTx" presStyleIdx="3" presStyleCnt="4" custLinFactNeighborX="-5647" custLinFactNeighborY="703">
+    <dgm:pt modelId="{91E3F564-5A62-4FAF-A5E0-97B05776F2F1}" type="pres">
+      <dgm:prSet presAssocID="{F117B72E-F8B7-4E45-A72F-45E069B27A36}" presName="textRect" presStyleLbl="revTx" presStyleIdx="2" presStyleCnt="3">
         <dgm:presLayoutVars>
           <dgm:chMax val="1"/>
           <dgm:chPref val="1"/>
@@ -2155,38 +2067,29 @@
     </dgm:pt>
   </dgm:ptLst>
   <dgm:cxnLst>
-    <dgm:cxn modelId="{A934771E-D017-4408-A8B8-2C1120D15CE1}" srcId="{D9EFEFC8-DC97-497F-858B-33FE86303197}" destId="{FEE8877B-5480-47D5-A652-A57AD52C27BA}" srcOrd="1" destOrd="0" parTransId="{01017DB7-86CD-4B14-9587-5ABB0094643B}" sibTransId="{5EE3D280-C9BA-40FB-950C-A9ABBFEBBA85}"/>
-    <dgm:cxn modelId="{0B2BE451-F190-472C-9E1C-81EA31029140}" type="presOf" srcId="{D9EFEFC8-DC97-497F-858B-33FE86303197}" destId="{C3DA56C7-A342-4B51-B710-FB2C31B7BB57}" srcOrd="0" destOrd="0" presId="urn:microsoft.com/office/officeart/2018/2/layout/IconLabelList"/>
-    <dgm:cxn modelId="{15FF9954-B977-40FA-AB65-CC0014EF84CB}" srcId="{D9EFEFC8-DC97-497F-858B-33FE86303197}" destId="{D21EBDD7-7469-4D04-8891-48AD3D8048BC}" srcOrd="3" destOrd="0" parTransId="{495C1F63-FDA9-4F4A-AE87-10216A4A6E2D}" sibTransId="{A4BE085A-5981-4527-B879-926ED4B4CB58}"/>
-    <dgm:cxn modelId="{B0AF6AA2-7DCF-4EA4-8DAF-6DFD4901A8DE}" srcId="{D9EFEFC8-DC97-497F-858B-33FE86303197}" destId="{04938BAC-0D98-4FF0-B2E2-666129E7ED9B}" srcOrd="0" destOrd="0" parTransId="{0B4AE362-3B88-4A8C-B25E-0874EC4399FD}" sibTransId="{F7AB13BD-9B05-4D48-99DF-4681BA1B8192}"/>
-    <dgm:cxn modelId="{8FDDBDB2-DB2D-4F9F-9AA5-0415F2593C7C}" srcId="{D9EFEFC8-DC97-497F-858B-33FE86303197}" destId="{3E6DEC18-5C37-4FFA-9E1A-CAA0F6E0CF4A}" srcOrd="2" destOrd="0" parTransId="{12056B36-4DA6-4F9D-AE84-C83CE2907A38}" sibTransId="{47971687-77F0-4B58-B234-F5EBCAD2AC0A}"/>
-    <dgm:cxn modelId="{9669F4C7-6B8D-4F2C-A06B-B8DA1F9005A7}" type="presOf" srcId="{D21EBDD7-7469-4D04-8891-48AD3D8048BC}" destId="{36CA21E8-0A3E-4E7B-BCF0-B7A04CC3786D}" srcOrd="0" destOrd="0" presId="urn:microsoft.com/office/officeart/2018/2/layout/IconLabelList"/>
-    <dgm:cxn modelId="{485C4CE5-0479-4973-B233-76C6D95E27DF}" type="presOf" srcId="{04938BAC-0D98-4FF0-B2E2-666129E7ED9B}" destId="{3A7DD5E1-5784-4D59-8285-610F7DDEEE7C}" srcOrd="0" destOrd="0" presId="urn:microsoft.com/office/officeart/2018/2/layout/IconLabelList"/>
-    <dgm:cxn modelId="{BA2552FA-79FB-43F7-AFCA-862A1861A2C5}" type="presOf" srcId="{FEE8877B-5480-47D5-A652-A57AD52C27BA}" destId="{89124B8E-3256-40F4-A33C-37196D74DCE1}" srcOrd="0" destOrd="0" presId="urn:microsoft.com/office/officeart/2018/2/layout/IconLabelList"/>
-    <dgm:cxn modelId="{1B339DFD-9EA2-4BF2-B96D-A0503231863A}" type="presOf" srcId="{3E6DEC18-5C37-4FFA-9E1A-CAA0F6E0CF4A}" destId="{AA549878-9D82-484E-9247-A2568DED6B0F}" srcOrd="0" destOrd="0" presId="urn:microsoft.com/office/officeart/2018/2/layout/IconLabelList"/>
-    <dgm:cxn modelId="{048F820E-3F67-4828-B75B-3066D7A22430}" type="presParOf" srcId="{C3DA56C7-A342-4B51-B710-FB2C31B7BB57}" destId="{AB8848D9-0192-44AE-BE34-9588B925D421}" srcOrd="0" destOrd="0" presId="urn:microsoft.com/office/officeart/2018/2/layout/IconLabelList"/>
-    <dgm:cxn modelId="{792E5D00-ECCF-4B61-B898-82527F934DB7}" type="presParOf" srcId="{AB8848D9-0192-44AE-BE34-9588B925D421}" destId="{97639C32-07EF-4E31-82DF-6C393B2154F7}" srcOrd="0" destOrd="0" presId="urn:microsoft.com/office/officeart/2018/2/layout/IconLabelList"/>
-    <dgm:cxn modelId="{8C4F7E1E-6515-49AF-ADE1-62B909D821FC}" type="presParOf" srcId="{AB8848D9-0192-44AE-BE34-9588B925D421}" destId="{B472253B-F0E0-4CC9-95FD-4339A8CC01AB}" srcOrd="1" destOrd="0" presId="urn:microsoft.com/office/officeart/2018/2/layout/IconLabelList"/>
-    <dgm:cxn modelId="{A2218E1E-DD58-4DA8-8034-5AD9EAB41D62}" type="presParOf" srcId="{AB8848D9-0192-44AE-BE34-9588B925D421}" destId="{3A7DD5E1-5784-4D59-8285-610F7DDEEE7C}" srcOrd="2" destOrd="0" presId="urn:microsoft.com/office/officeart/2018/2/layout/IconLabelList"/>
-    <dgm:cxn modelId="{6B97B9FF-C021-41DD-8C17-B1B78B3CAB19}" type="presParOf" srcId="{C3DA56C7-A342-4B51-B710-FB2C31B7BB57}" destId="{CA3A4696-75BC-4FF0-A62D-F73D546D875D}" srcOrd="1" destOrd="0" presId="urn:microsoft.com/office/officeart/2018/2/layout/IconLabelList"/>
-    <dgm:cxn modelId="{CA161DA7-6317-4376-B56C-930BF82C5594}" type="presParOf" srcId="{C3DA56C7-A342-4B51-B710-FB2C31B7BB57}" destId="{FC12E734-EB1B-4B22-A60D-F4FD007ACB88}" srcOrd="2" destOrd="0" presId="urn:microsoft.com/office/officeart/2018/2/layout/IconLabelList"/>
-    <dgm:cxn modelId="{16BCC1F4-32AC-4BDF-8BB3-C4FBD873850D}" type="presParOf" srcId="{FC12E734-EB1B-4B22-A60D-F4FD007ACB88}" destId="{98732DEE-66BA-4579-A672-29C76EBDAFE5}" srcOrd="0" destOrd="0" presId="urn:microsoft.com/office/officeart/2018/2/layout/IconLabelList"/>
-    <dgm:cxn modelId="{D76A7E1C-1D32-4B1B-848F-B5F23DBA4FE3}" type="presParOf" srcId="{FC12E734-EB1B-4B22-A60D-F4FD007ACB88}" destId="{1B574249-C032-4562-811C-899A26C8865A}" srcOrd="1" destOrd="0" presId="urn:microsoft.com/office/officeart/2018/2/layout/IconLabelList"/>
-    <dgm:cxn modelId="{3EFAB041-CF29-4DF9-913D-04F4583DE1DD}" type="presParOf" srcId="{FC12E734-EB1B-4B22-A60D-F4FD007ACB88}" destId="{89124B8E-3256-40F4-A33C-37196D74DCE1}" srcOrd="2" destOrd="0" presId="urn:microsoft.com/office/officeart/2018/2/layout/IconLabelList"/>
-    <dgm:cxn modelId="{2A22614C-5F2B-42C7-970D-8A40409DAEC9}" type="presParOf" srcId="{C3DA56C7-A342-4B51-B710-FB2C31B7BB57}" destId="{0E341D7B-5E0E-42F9-A97A-B5A74FF1BF07}" srcOrd="3" destOrd="0" presId="urn:microsoft.com/office/officeart/2018/2/layout/IconLabelList"/>
-    <dgm:cxn modelId="{8458067D-8DCF-445D-AE0C-7DF070B70D1F}" type="presParOf" srcId="{C3DA56C7-A342-4B51-B710-FB2C31B7BB57}" destId="{3BC028A0-55BA-48E0-824C-47F62E0AD771}" srcOrd="4" destOrd="0" presId="urn:microsoft.com/office/officeart/2018/2/layout/IconLabelList"/>
-    <dgm:cxn modelId="{EB81111D-DC2A-4AF4-A298-04652EA0B8B9}" type="presParOf" srcId="{3BC028A0-55BA-48E0-824C-47F62E0AD771}" destId="{A62EAE35-BD9B-4601-BB70-C0618A49F173}" srcOrd="0" destOrd="0" presId="urn:microsoft.com/office/officeart/2018/2/layout/IconLabelList"/>
-    <dgm:cxn modelId="{898CEEE5-FAF1-498E-B4AC-F8C8E46931B8}" type="presParOf" srcId="{3BC028A0-55BA-48E0-824C-47F62E0AD771}" destId="{3E2D9AE0-0E11-4D0A-8439-99A8420445C2}" srcOrd="1" destOrd="0" presId="urn:microsoft.com/office/officeart/2018/2/layout/IconLabelList"/>
-    <dgm:cxn modelId="{5B145C41-FDE6-4BEF-BE00-D72A79495DD2}" type="presParOf" srcId="{3BC028A0-55BA-48E0-824C-47F62E0AD771}" destId="{AA549878-9D82-484E-9247-A2568DED6B0F}" srcOrd="2" destOrd="0" presId="urn:microsoft.com/office/officeart/2018/2/layout/IconLabelList"/>
-    <dgm:cxn modelId="{ECC28911-5B9F-4824-87C1-34B255404316}" type="presParOf" srcId="{C3DA56C7-A342-4B51-B710-FB2C31B7BB57}" destId="{B6C02647-AB1E-40CC-8B5E-2666494EB315}" srcOrd="5" destOrd="0" presId="urn:microsoft.com/office/officeart/2018/2/layout/IconLabelList"/>
-    <dgm:cxn modelId="{0219226C-13F5-4495-8AA8-E87288BAD3C8}" type="presParOf" srcId="{C3DA56C7-A342-4B51-B710-FB2C31B7BB57}" destId="{E30AD86D-A92C-49C2-B74A-A0A6221BD828}" srcOrd="6" destOrd="0" presId="urn:microsoft.com/office/officeart/2018/2/layout/IconLabelList"/>
-    <dgm:cxn modelId="{72E61FE3-2E02-49CD-AB00-5FAFC9094AD4}" type="presParOf" srcId="{E30AD86D-A92C-49C2-B74A-A0A6221BD828}" destId="{4BD08252-098A-4C48-A2DD-F39748723F16}" srcOrd="0" destOrd="0" presId="urn:microsoft.com/office/officeart/2018/2/layout/IconLabelList"/>
-    <dgm:cxn modelId="{7AF9A267-F342-4C57-A3C6-80B316EED47A}" type="presParOf" srcId="{E30AD86D-A92C-49C2-B74A-A0A6221BD828}" destId="{B06F4599-7562-4DD5-A27A-C5B9FCBA9A19}" srcOrd="1" destOrd="0" presId="urn:microsoft.com/office/officeart/2018/2/layout/IconLabelList"/>
-    <dgm:cxn modelId="{2B2942A9-3AA3-4D07-A49F-B4D4B74E5421}" type="presParOf" srcId="{E30AD86D-A92C-49C2-B74A-A0A6221BD828}" destId="{36CA21E8-0A3E-4E7B-BCF0-B7A04CC3786D}" srcOrd="2" destOrd="0" presId="urn:microsoft.com/office/officeart/2018/2/layout/IconLabelList"/>
+    <dgm:cxn modelId="{2990C10D-86E2-4BC0-8306-5EC9B35A94BF}" type="presOf" srcId="{4A73C27A-4597-4A7C-B210-47D655F6DF34}" destId="{F0F0A9F5-DD68-421A-8969-84179BEC1436}" srcOrd="0" destOrd="0" presId="urn:microsoft.com/office/officeart/2018/2/layout/IconLabelList"/>
+    <dgm:cxn modelId="{2AA69A17-C630-41B4-8A68-8961CDB16BED}" srcId="{4A73C27A-4597-4A7C-B210-47D655F6DF34}" destId="{0A6B007C-D419-4A9E-B7B3-A069D1E6B2A4}" srcOrd="1" destOrd="0" parTransId="{EB5BEF61-6B3E-40BB-8EFE-AD09139E431C}" sibTransId="{41D7EFB5-66A4-4F05-AE6B-1E11BED5DF48}"/>
+    <dgm:cxn modelId="{E2C3763F-E7A4-4BE4-97A1-3E4774F9BB5A}" type="presOf" srcId="{AE341B92-2B17-4647-85E6-331CC7F213D4}" destId="{97BE085C-483A-4EBE-AC56-A8E9942B7F7A}" srcOrd="0" destOrd="0" presId="urn:microsoft.com/office/officeart/2018/2/layout/IconLabelList"/>
+    <dgm:cxn modelId="{2C9957A3-3F2E-46E8-A99F-C948E4693320}" type="presOf" srcId="{F117B72E-F8B7-4E45-A72F-45E069B27A36}" destId="{91E3F564-5A62-4FAF-A5E0-97B05776F2F1}" srcOrd="0" destOrd="0" presId="urn:microsoft.com/office/officeart/2018/2/layout/IconLabelList"/>
+    <dgm:cxn modelId="{6E3D62C3-1129-4615-8D1C-02587343D815}" srcId="{4A73C27A-4597-4A7C-B210-47D655F6DF34}" destId="{F117B72E-F8B7-4E45-A72F-45E069B27A36}" srcOrd="2" destOrd="0" parTransId="{740BD74B-1166-4A24-ABFA-E5854C112CB2}" sibTransId="{90568F44-FAAF-4CD1-AB3A-96FCAD27485D}"/>
+    <dgm:cxn modelId="{FA6427C9-21DE-47A7-AD91-63479EAC9C45}" srcId="{4A73C27A-4597-4A7C-B210-47D655F6DF34}" destId="{AE341B92-2B17-4647-85E6-331CC7F213D4}" srcOrd="0" destOrd="0" parTransId="{B8A2CB2E-60D3-4699-BCA3-6646FEFA2BB7}" sibTransId="{C4BFE801-C255-448D-828B-CE2A3715B6CC}"/>
+    <dgm:cxn modelId="{BE8837C9-5C29-418A-B900-E0E9373806A4}" type="presOf" srcId="{0A6B007C-D419-4A9E-B7B3-A069D1E6B2A4}" destId="{743784F2-EE7F-412C-B83A-63279A2FE202}" srcOrd="0" destOrd="0" presId="urn:microsoft.com/office/officeart/2018/2/layout/IconLabelList"/>
+    <dgm:cxn modelId="{CE564F24-497B-4526-89C9-87370CC8B9A5}" type="presParOf" srcId="{F0F0A9F5-DD68-421A-8969-84179BEC1436}" destId="{02D12A4A-0782-43B0-A6EC-F2E032A67AD2}" srcOrd="0" destOrd="0" presId="urn:microsoft.com/office/officeart/2018/2/layout/IconLabelList"/>
+    <dgm:cxn modelId="{2E1E1944-727F-4601-A229-7F1616CBEDA6}" type="presParOf" srcId="{02D12A4A-0782-43B0-A6EC-F2E032A67AD2}" destId="{4E572E14-821D-4D5B-A798-712B6BA490F8}" srcOrd="0" destOrd="0" presId="urn:microsoft.com/office/officeart/2018/2/layout/IconLabelList"/>
+    <dgm:cxn modelId="{67C3AA55-D8B2-447B-A699-16B1FA57734A}" type="presParOf" srcId="{02D12A4A-0782-43B0-A6EC-F2E032A67AD2}" destId="{957793B0-5BEC-4015-B23E-6466E40A2AD5}" srcOrd="1" destOrd="0" presId="urn:microsoft.com/office/officeart/2018/2/layout/IconLabelList"/>
+    <dgm:cxn modelId="{CD39CC39-AF59-4269-B656-6A71740ED853}" type="presParOf" srcId="{02D12A4A-0782-43B0-A6EC-F2E032A67AD2}" destId="{97BE085C-483A-4EBE-AC56-A8E9942B7F7A}" srcOrd="2" destOrd="0" presId="urn:microsoft.com/office/officeart/2018/2/layout/IconLabelList"/>
+    <dgm:cxn modelId="{2E66BBD1-FFF0-4775-A76F-7A5D050BB91A}" type="presParOf" srcId="{F0F0A9F5-DD68-421A-8969-84179BEC1436}" destId="{D4B1C0AB-9B0E-4CC1-B147-B1EEE3D0C724}" srcOrd="1" destOrd="0" presId="urn:microsoft.com/office/officeart/2018/2/layout/IconLabelList"/>
+    <dgm:cxn modelId="{527CEC78-84C0-4C44-9B38-5B4FB7B854D3}" type="presParOf" srcId="{F0F0A9F5-DD68-421A-8969-84179BEC1436}" destId="{D0F23C4B-01D8-48C2-A040-82FB9EB541FE}" srcOrd="2" destOrd="0" presId="urn:microsoft.com/office/officeart/2018/2/layout/IconLabelList"/>
+    <dgm:cxn modelId="{BB19A862-CCF1-4891-9FA6-BB9EFC013452}" type="presParOf" srcId="{D0F23C4B-01D8-48C2-A040-82FB9EB541FE}" destId="{397AF972-6AA9-4B67-9B4F-98E87DD4BE80}" srcOrd="0" destOrd="0" presId="urn:microsoft.com/office/officeart/2018/2/layout/IconLabelList"/>
+    <dgm:cxn modelId="{9B1CCA4A-1571-4FFF-A4BA-738C61FFE12D}" type="presParOf" srcId="{D0F23C4B-01D8-48C2-A040-82FB9EB541FE}" destId="{CB3CB6FE-15E8-4D4C-8687-400A860A01F6}" srcOrd="1" destOrd="0" presId="urn:microsoft.com/office/officeart/2018/2/layout/IconLabelList"/>
+    <dgm:cxn modelId="{5948FE21-0B87-47AD-B244-B018FBDF9666}" type="presParOf" srcId="{D0F23C4B-01D8-48C2-A040-82FB9EB541FE}" destId="{743784F2-EE7F-412C-B83A-63279A2FE202}" srcOrd="2" destOrd="0" presId="urn:microsoft.com/office/officeart/2018/2/layout/IconLabelList"/>
+    <dgm:cxn modelId="{72C0EB6A-2FFE-4709-B075-9D787E24599D}" type="presParOf" srcId="{F0F0A9F5-DD68-421A-8969-84179BEC1436}" destId="{3AE84512-6C89-4C5D-AB1B-3219E9149AC8}" srcOrd="3" destOrd="0" presId="urn:microsoft.com/office/officeart/2018/2/layout/IconLabelList"/>
+    <dgm:cxn modelId="{EAE3CDF4-8198-48AD-A391-A289D4F2A147}" type="presParOf" srcId="{F0F0A9F5-DD68-421A-8969-84179BEC1436}" destId="{52797D33-3F4A-4BC2-8299-95ECBDB53F47}" srcOrd="4" destOrd="0" presId="urn:microsoft.com/office/officeart/2018/2/layout/IconLabelList"/>
+    <dgm:cxn modelId="{6CBBB395-0531-4F5B-A18A-7EDC6E74D38E}" type="presParOf" srcId="{52797D33-3F4A-4BC2-8299-95ECBDB53F47}" destId="{2D9A3F1E-CA1E-48E7-8E28-14C4FD84F543}" srcOrd="0" destOrd="0" presId="urn:microsoft.com/office/officeart/2018/2/layout/IconLabelList"/>
+    <dgm:cxn modelId="{9D6DC259-2CF7-40E7-849D-AAD9ABDDFF13}" type="presParOf" srcId="{52797D33-3F4A-4BC2-8299-95ECBDB53F47}" destId="{AFEBC0CB-7CBA-4BC2-8132-299702654F28}" srcOrd="1" destOrd="0" presId="urn:microsoft.com/office/officeart/2018/2/layout/IconLabelList"/>
+    <dgm:cxn modelId="{AB918997-F4CE-4BB8-BD0E-3C94BCF8F4CA}" type="presParOf" srcId="{52797D33-3F4A-4BC2-8299-95ECBDB53F47}" destId="{91E3F564-5A62-4FAF-A5E0-97B05776F2F1}" srcOrd="2" destOrd="0" presId="urn:microsoft.com/office/officeart/2018/2/layout/IconLabelList"/>
   </dgm:cxnLst>
-  <dgm:bg>
-    <a:noFill/>
-  </dgm:bg>
+  <dgm:bg/>
   <dgm:whole/>
   <dgm:extLst>
     <a:ext uri="http://schemas.microsoft.com/office/drawing/2008/diagram">
@@ -2223,10 +2126,14 @@
             </a:lnSpc>
           </a:pPr>
           <a:r>
-            <a:rPr lang="cs-CZ"/>
-            <a:t>2 datamodely -&gt; 1. a 2. tým</a:t>
+            <a:rPr lang="cs-CZ" dirty="0" err="1"/>
+            <a:t>Datamodel</a:t>
           </a:r>
-          <a:endParaRPr lang="en-US"/>
+          <a:r>
+            <a:rPr lang="cs-CZ" dirty="0"/>
+            <a:t> -&gt; 1. a 2. tým +  Hráč</a:t>
+          </a:r>
+          <a:endParaRPr lang="en-US" dirty="0"/>
         </a:p>
       </dgm:t>
     </dgm:pt>
@@ -2271,7 +2178,7 @@
           </a:pPr>
           <a:r>
             <a:rPr lang="cs-CZ" dirty="0"/>
-            <a:t>Možnost editace pouze u jmen týmů</a:t>
+            <a:t>Editace obsahu přes přidávací lišty</a:t>
           </a:r>
           <a:endParaRPr lang="en-US" dirty="0"/>
         </a:p>
@@ -2317,10 +2224,10 @@
             </a:lnSpc>
           </a:pPr>
           <a:r>
-            <a:rPr lang="cs-CZ"/>
+            <a:rPr lang="cs-CZ" dirty="0"/>
             <a:t>Ostatní prvky se budou ovládat přes tlačítka</a:t>
           </a:r>
-          <a:endParaRPr lang="en-US"/>
+          <a:endParaRPr lang="en-US" dirty="0"/>
         </a:p>
       </dgm:t>
     </dgm:pt>
@@ -2364,10 +2271,10 @@
             </a:lnSpc>
           </a:pPr>
           <a:r>
-            <a:rPr lang="cs-CZ"/>
+            <a:rPr lang="cs-CZ" dirty="0"/>
             <a:t>Čas a třetina?</a:t>
           </a:r>
-          <a:endParaRPr lang="en-US"/>
+          <a:endParaRPr lang="en-US" dirty="0"/>
         </a:p>
       </dgm:t>
     </dgm:pt>
@@ -2551,22 +2458,35 @@
       <dsp:cNvGrpSpPr/>
     </dsp:nvGrpSpPr>
     <dsp:grpSpPr/>
-    <dsp:sp modelId="{97639C32-07EF-4E31-82DF-6C393B2154F7}">
+    <dsp:sp modelId="{4E572E14-821D-4D5B-A798-712B6BA490F8}">
       <dsp:nvSpPr>
         <dsp:cNvPr id="0" name=""/>
         <dsp:cNvSpPr/>
       </dsp:nvSpPr>
       <dsp:spPr>
-        <a:xfrm flipH="1">
-          <a:off x="3278887" y="0"/>
-          <a:ext cx="2272" cy="52078"/>
+        <a:xfrm>
+          <a:off x="1027468" y="621159"/>
+          <a:ext cx="1268215" cy="1268215"/>
         </a:xfrm>
         <a:prstGeom prst="rect">
           <a:avLst/>
         </a:prstGeom>
-        <a:solidFill>
-          <a:schemeClr val="bg1"/>
-        </a:solidFill>
+        <a:blipFill>
+          <a:blip xmlns:r="http://schemas.openxmlformats.org/officeDocument/2006/relationships" r:embed="rId1">
+            <a:extLst>
+              <a:ext uri="{28A0092B-C50C-407E-A947-70E740481C1C}">
+                <a14:useLocalDpi xmlns:a14="http://schemas.microsoft.com/office/drawing/2010/main" val="0"/>
+              </a:ext>
+              <a:ext uri="{96DAC541-7B7A-43D3-8B79-37D633B846F1}">
+                <asvg:svgBlip xmlns:asvg="http://schemas.microsoft.com/office/drawing/2016/SVG/main" r:embed="rId2"/>
+              </a:ext>
+            </a:extLst>
+          </a:blip>
+          <a:srcRect/>
+          <a:stretch>
+            <a:fillRect/>
+          </a:stretch>
+        </a:blipFill>
         <a:ln w="34925" cap="flat" cmpd="sng" algn="in">
           <a:noFill/>
           <a:prstDash val="solid"/>
@@ -2588,15 +2508,15 @@
         </a:fontRef>
       </dsp:style>
     </dsp:sp>
-    <dsp:sp modelId="{3A7DD5E1-5784-4D59-8285-610F7DDEEE7C}">
+    <dsp:sp modelId="{97BE085C-483A-4EBE-AC56-A8E9942B7F7A}">
       <dsp:nvSpPr>
         <dsp:cNvPr id="0" name=""/>
         <dsp:cNvSpPr/>
       </dsp:nvSpPr>
       <dsp:spPr>
         <a:xfrm>
-          <a:off x="167660" y="2040303"/>
-          <a:ext cx="2043787" cy="720000"/>
+          <a:off x="252447" y="2240240"/>
+          <a:ext cx="2818257" cy="720000"/>
         </a:xfrm>
         <a:prstGeom prst="rect">
           <a:avLst/>
@@ -2625,9 +2545,9 @@
         </a:bodyPr>
         <a:lstStyle/>
         <a:p>
-          <a:pPr marL="0" lvl="0" indent="0" algn="ctr" defTabSz="1111250">
+          <a:pPr marL="0" lvl="0" indent="0" algn="ctr" defTabSz="1200150">
             <a:lnSpc>
-              <a:spcPct val="100000"/>
+              <a:spcPct val="90000"/>
             </a:lnSpc>
             <a:spcBef>
               <a:spcPct val="0"/>
@@ -2638,136 +2558,26 @@
             <a:buNone/>
           </a:pPr>
           <a:r>
-            <a:rPr lang="cs-CZ" sz="2500" kern="1200" dirty="0"/>
+            <a:rPr lang="cs-CZ" sz="2700" kern="1200" dirty="0"/>
             <a:t>Hotové GUI</a:t>
           </a:r>
-          <a:endParaRPr lang="en-US" sz="2500" kern="1200" dirty="0"/>
+          <a:endParaRPr lang="en-US" sz="2700" kern="1200" dirty="0"/>
         </a:p>
       </dsp:txBody>
       <dsp:txXfrm>
-        <a:off x="167660" y="2040303"/>
-        <a:ext cx="2043787" cy="720000"/>
+        <a:off x="252447" y="2240240"/>
+        <a:ext cx="2818257" cy="720000"/>
       </dsp:txXfrm>
     </dsp:sp>
-    <dsp:sp modelId="{98732DEE-66BA-4579-A672-29C76EBDAFE5}">
+    <dsp:sp modelId="{397AF972-6AA9-4B67-9B4F-98E87DD4BE80}">
       <dsp:nvSpPr>
         <dsp:cNvPr id="0" name=""/>
         <dsp:cNvSpPr/>
       </dsp:nvSpPr>
       <dsp:spPr>
         <a:xfrm>
-          <a:off x="3131147" y="683153"/>
-          <a:ext cx="919704" cy="919704"/>
-        </a:xfrm>
-        <a:prstGeom prst="rect">
-          <a:avLst/>
-        </a:prstGeom>
-        <a:blipFill>
-          <a:blip xmlns:r="http://schemas.openxmlformats.org/officeDocument/2006/relationships" r:embed="rId1">
-            <a:extLst>
-              <a:ext uri="{28A0092B-C50C-407E-A947-70E740481C1C}">
-                <a14:useLocalDpi xmlns:a14="http://schemas.microsoft.com/office/drawing/2010/main" val="0"/>
-              </a:ext>
-              <a:ext uri="{96DAC541-7B7A-43D3-8B79-37D633B846F1}">
-                <asvg:svgBlip xmlns:asvg="http://schemas.microsoft.com/office/drawing/2016/SVG/main" r:embed="rId2"/>
-              </a:ext>
-            </a:extLst>
-          </a:blip>
-          <a:stretch>
-            <a:fillRect/>
-          </a:stretch>
-        </a:blipFill>
-        <a:ln w="34925" cap="flat" cmpd="sng" algn="in">
-          <a:noFill/>
-          <a:prstDash val="solid"/>
-        </a:ln>
-        <a:effectLst/>
-      </dsp:spPr>
-      <dsp:style>
-        <a:lnRef idx="2">
-          <a:scrgbClr r="0" g="0" b="0"/>
-        </a:lnRef>
-        <a:fillRef idx="1">
-          <a:scrgbClr r="0" g="0" b="0"/>
-        </a:fillRef>
-        <a:effectRef idx="0">
-          <a:scrgbClr r="0" g="0" b="0"/>
-        </a:effectRef>
-        <a:fontRef idx="minor">
-          <a:schemeClr val="lt1"/>
-        </a:fontRef>
-      </dsp:style>
-    </dsp:sp>
-    <dsp:sp modelId="{89124B8E-3256-40F4-A33C-37196D74DCE1}">
-      <dsp:nvSpPr>
-        <dsp:cNvPr id="0" name=""/>
-        <dsp:cNvSpPr/>
-      </dsp:nvSpPr>
-      <dsp:spPr>
-        <a:xfrm>
-          <a:off x="2577981" y="2035242"/>
-          <a:ext cx="2043787" cy="720000"/>
-        </a:xfrm>
-        <a:prstGeom prst="rect">
-          <a:avLst/>
-        </a:prstGeom>
-        <a:noFill/>
-        <a:ln>
-          <a:noFill/>
-        </a:ln>
-        <a:effectLst/>
-      </dsp:spPr>
-      <dsp:style>
-        <a:lnRef idx="0">
-          <a:scrgbClr r="0" g="0" b="0"/>
-        </a:lnRef>
-        <a:fillRef idx="0">
-          <a:scrgbClr r="0" g="0" b="0"/>
-        </a:fillRef>
-        <a:effectRef idx="0">
-          <a:scrgbClr r="0" g="0" b="0"/>
-        </a:effectRef>
-        <a:fontRef idx="minor"/>
-      </dsp:style>
-      <dsp:txBody>
-        <a:bodyPr spcFirstLastPara="0" vert="horz" wrap="square" lIns="0" tIns="0" rIns="0" bIns="0" numCol="1" spcCol="1270" anchor="t" anchorCtr="0">
-          <a:noAutofit/>
-        </a:bodyPr>
-        <a:lstStyle/>
-        <a:p>
-          <a:pPr marL="0" lvl="0" indent="0" algn="ctr" defTabSz="1111250">
-            <a:lnSpc>
-              <a:spcPct val="100000"/>
-            </a:lnSpc>
-            <a:spcBef>
-              <a:spcPct val="0"/>
-            </a:spcBef>
-            <a:spcAft>
-              <a:spcPct val="35000"/>
-            </a:spcAft>
-            <a:buNone/>
-          </a:pPr>
-          <a:r>
-            <a:rPr lang="cs-CZ" sz="2500" kern="1200"/>
-            <a:t>Hotové menu</a:t>
-          </a:r>
-          <a:endParaRPr lang="en-US" sz="2500" kern="1200"/>
-        </a:p>
-      </dsp:txBody>
-      <dsp:txXfrm>
-        <a:off x="2577981" y="2035242"/>
-        <a:ext cx="2043787" cy="720000"/>
-      </dsp:txXfrm>
-    </dsp:sp>
-    <dsp:sp modelId="{A62EAE35-BD9B-4601-BB70-C0618A49F173}">
-      <dsp:nvSpPr>
-        <dsp:cNvPr id="0" name=""/>
-        <dsp:cNvSpPr/>
-      </dsp:nvSpPr>
-      <dsp:spPr>
-        <a:xfrm>
-          <a:off x="703147" y="683143"/>
-          <a:ext cx="919704" cy="919704"/>
+          <a:off x="4338920" y="621159"/>
+          <a:ext cx="1268215" cy="1268215"/>
         </a:xfrm>
         <a:prstGeom prst="rect">
           <a:avLst/>
@@ -2808,15 +2618,15 @@
         </a:fontRef>
       </dsp:style>
     </dsp:sp>
-    <dsp:sp modelId="{AA549878-9D82-484E-9247-A2568DED6B0F}">
+    <dsp:sp modelId="{743784F2-EE7F-412C-B83A-63279A2FE202}">
       <dsp:nvSpPr>
         <dsp:cNvPr id="0" name=""/>
         <dsp:cNvSpPr/>
       </dsp:nvSpPr>
       <dsp:spPr>
         <a:xfrm>
-          <a:off x="4979431" y="2035242"/>
-          <a:ext cx="2043787" cy="720000"/>
+          <a:off x="3563899" y="2240240"/>
+          <a:ext cx="2818257" cy="720000"/>
         </a:xfrm>
         <a:prstGeom prst="rect">
           <a:avLst/>
@@ -2845,9 +2655,9 @@
         </a:bodyPr>
         <a:lstStyle/>
         <a:p>
-          <a:pPr marL="0" lvl="0" indent="0" algn="ctr" defTabSz="1111250">
+          <a:pPr marL="0" lvl="0" indent="0" algn="ctr" defTabSz="1200150">
             <a:lnSpc>
-              <a:spcPct val="100000"/>
+              <a:spcPct val="90000"/>
             </a:lnSpc>
             <a:spcBef>
               <a:spcPct val="0"/>
@@ -2858,31 +2668,31 @@
             <a:buNone/>
           </a:pPr>
           <a:r>
-            <a:rPr lang="cs-CZ" sz="2500" kern="1200" dirty="0"/>
-            <a:t>Žádné funkce</a:t>
+            <a:rPr lang="cs-CZ" sz="2700" kern="1200"/>
+            <a:t>Hotové menu</a:t>
           </a:r>
-          <a:endParaRPr lang="en-US" sz="2500" kern="1200" dirty="0"/>
+          <a:endParaRPr lang="en-US" sz="2700" kern="1200"/>
         </a:p>
       </dsp:txBody>
       <dsp:txXfrm>
-        <a:off x="4979431" y="2035242"/>
-        <a:ext cx="2043787" cy="720000"/>
+        <a:off x="3563899" y="2240240"/>
+        <a:ext cx="2818257" cy="720000"/>
       </dsp:txXfrm>
     </dsp:sp>
-    <dsp:sp modelId="{4BD08252-098A-4C48-A2DD-F39748723F16}">
+    <dsp:sp modelId="{2D9A3F1E-CA1E-48E7-8E28-14C4FD84F543}">
       <dsp:nvSpPr>
         <dsp:cNvPr id="0" name=""/>
         <dsp:cNvSpPr/>
       </dsp:nvSpPr>
       <dsp:spPr>
         <a:xfrm>
-          <a:off x="5492692" y="683153"/>
-          <a:ext cx="919704" cy="919704"/>
+          <a:off x="7650372" y="621159"/>
+          <a:ext cx="1268215" cy="1268215"/>
         </a:xfrm>
         <a:prstGeom prst="rect">
           <a:avLst/>
         </a:prstGeom>
-        <a:blipFill rotWithShape="1">
+        <a:blipFill>
           <a:blip xmlns:r="http://schemas.openxmlformats.org/officeDocument/2006/relationships" r:embed="rId5">
             <a:extLst>
               <a:ext uri="{28A0092B-C50C-407E-A947-70E740481C1C}">
@@ -2893,7 +2703,6 @@
               </a:ext>
             </a:extLst>
           </a:blip>
-          <a:srcRect/>
           <a:stretch>
             <a:fillRect/>
           </a:stretch>
@@ -2919,15 +2728,15 @@
         </a:fontRef>
       </dsp:style>
     </dsp:sp>
-    <dsp:sp modelId="{36CA21E8-0A3E-4E7B-BCF0-B7A04CC3786D}">
+    <dsp:sp modelId="{91E3F564-5A62-4FAF-A5E0-97B05776F2F1}">
       <dsp:nvSpPr>
         <dsp:cNvPr id="0" name=""/>
         <dsp:cNvSpPr/>
       </dsp:nvSpPr>
       <dsp:spPr>
         <a:xfrm>
-          <a:off x="7265469" y="2040303"/>
-          <a:ext cx="2043787" cy="720000"/>
+          <a:off x="6875351" y="2240240"/>
+          <a:ext cx="2818257" cy="720000"/>
         </a:xfrm>
         <a:prstGeom prst="rect">
           <a:avLst/>
@@ -2956,9 +2765,9 @@
         </a:bodyPr>
         <a:lstStyle/>
         <a:p>
-          <a:pPr marL="0" lvl="0" indent="0" algn="ctr" defTabSz="1111250">
+          <a:pPr marL="0" lvl="0" indent="0" algn="ctr" defTabSz="1200150">
             <a:lnSpc>
-              <a:spcPct val="100000"/>
+              <a:spcPct val="90000"/>
             </a:lnSpc>
             <a:spcBef>
               <a:spcPct val="0"/>
@@ -2969,19 +2778,15 @@
             <a:buNone/>
           </a:pPr>
           <a:r>
-            <a:rPr lang="cs-CZ" sz="2500" kern="1200" dirty="0"/>
-            <a:t>Žádný </a:t>
+            <a:rPr lang="cs-CZ" sz="2700" kern="1200" dirty="0"/>
+            <a:t>Žádný čas/odpočty</a:t>
           </a:r>
-          <a:r>
-            <a:rPr lang="cs-CZ" sz="2500" kern="1200" dirty="0" err="1"/>
-            <a:t>datamodel</a:t>
-          </a:r>
-          <a:endParaRPr lang="en-US" sz="2500" kern="1200" dirty="0"/>
+          <a:endParaRPr lang="en-US" sz="2700" kern="1200" dirty="0"/>
         </a:p>
       </dsp:txBody>
       <dsp:txXfrm>
-        <a:off x="7265469" y="2040303"/>
-        <a:ext cx="2043787" cy="720000"/>
+        <a:off x="6875351" y="2240240"/>
+        <a:ext cx="2818257" cy="720000"/>
       </dsp:txXfrm>
     </dsp:sp>
   </dsp:spTree>
@@ -3115,10 +2920,14 @@
             <a:buNone/>
           </a:pPr>
           <a:r>
-            <a:rPr lang="cs-CZ" sz="2000" kern="1200"/>
-            <a:t>2 datamodely -&gt; 1. a 2. tým</a:t>
+            <a:rPr lang="cs-CZ" sz="2000" kern="1200" dirty="0" err="1"/>
+            <a:t>Datamodel</a:t>
           </a:r>
-          <a:endParaRPr lang="en-US" sz="2000" kern="1200"/>
+          <a:r>
+            <a:rPr lang="cs-CZ" sz="2000" kern="1200" dirty="0"/>
+            <a:t> -&gt; 1. a 2. tým +  Hráč</a:t>
+          </a:r>
+          <a:endParaRPr lang="en-US" sz="2000" kern="1200" dirty="0"/>
         </a:p>
       </dsp:txBody>
       <dsp:txXfrm>
@@ -3246,7 +3055,7 @@
           </a:pPr>
           <a:r>
             <a:rPr lang="cs-CZ" sz="2000" kern="1200" dirty="0"/>
-            <a:t>Možnost editace pouze u jmen týmů</a:t>
+            <a:t>Editace obsahu přes přidávací lišty</a:t>
           </a:r>
           <a:endParaRPr lang="en-US" sz="2000" kern="1200" dirty="0"/>
         </a:p>
@@ -3375,10 +3184,10 @@
             <a:buNone/>
           </a:pPr>
           <a:r>
-            <a:rPr lang="cs-CZ" sz="2000" kern="1200"/>
+            <a:rPr lang="cs-CZ" sz="2000" kern="1200" dirty="0"/>
             <a:t>Ostatní prvky se budou ovládat přes tlačítka</a:t>
           </a:r>
-          <a:endParaRPr lang="en-US" sz="2000" kern="1200"/>
+          <a:endParaRPr lang="en-US" sz="2000" kern="1200" dirty="0"/>
         </a:p>
       </dsp:txBody>
       <dsp:txXfrm>
@@ -3505,10 +3314,10 @@
             <a:buNone/>
           </a:pPr>
           <a:r>
-            <a:rPr lang="cs-CZ" sz="2000" kern="1200"/>
+            <a:rPr lang="cs-CZ" sz="2000" kern="1200" dirty="0"/>
             <a:t>Čas a třetina?</a:t>
           </a:r>
-          <a:endParaRPr lang="en-US" sz="2000" kern="1200"/>
+          <a:endParaRPr lang="en-US" sz="2000" kern="1200" dirty="0"/>
         </a:p>
       </dsp:txBody>
       <dsp:txXfrm>
@@ -6511,7 +6320,7 @@
             <a:fld id="{87DE6118-2437-4B30-8E3C-4D2BE6020583}" type="datetimeFigureOut">
               <a:rPr lang="en-US" dirty="0"/>
               <a:pPr/>
-              <a:t>5/11/2020</a:t>
+              <a:t>5/18/2020</a:t>
             </a:fld>
             <a:endParaRPr lang="en-US" dirty="0"/>
           </a:p>
@@ -6837,7 +6646,7 @@
           <a:p>
             <a:fld id="{87DE6118-2437-4B30-8E3C-4D2BE6020583}" type="datetimeFigureOut">
               <a:rPr lang="en-US" dirty="0"/>
-              <a:t>5/11/2020</a:t>
+              <a:t>5/18/2020</a:t>
             </a:fld>
             <a:endParaRPr lang="en-US" dirty="0"/>
           </a:p>
@@ -7012,7 +6821,7 @@
           <a:p>
             <a:fld id="{87DE6118-2437-4B30-8E3C-4D2BE6020583}" type="datetimeFigureOut">
               <a:rPr lang="en-US" dirty="0"/>
-              <a:t>5/11/2020</a:t>
+              <a:t>5/18/2020</a:t>
             </a:fld>
             <a:endParaRPr lang="en-US" dirty="0"/>
           </a:p>
@@ -7177,7 +6986,7 @@
           <a:p>
             <a:fld id="{87DE6118-2437-4B30-8E3C-4D2BE6020583}" type="datetimeFigureOut">
               <a:rPr lang="en-US" dirty="0"/>
-              <a:t>5/11/2020</a:t>
+              <a:t>5/18/2020</a:t>
             </a:fld>
             <a:endParaRPr lang="en-US" dirty="0"/>
           </a:p>
@@ -7450,7 +7259,7 @@
             <a:fld id="{87DE6118-2437-4B30-8E3C-4D2BE6020583}" type="datetimeFigureOut">
               <a:rPr lang="en-US" dirty="0"/>
               <a:pPr/>
-              <a:t>5/11/2020</a:t>
+              <a:t>5/18/2020</a:t>
             </a:fld>
             <a:endParaRPr lang="en-US" dirty="0"/>
           </a:p>
@@ -7840,7 +7649,7 @@
           <a:p>
             <a:fld id="{87DE6118-2437-4B30-8E3C-4D2BE6020583}" type="datetimeFigureOut">
               <a:rPr lang="en-US" dirty="0"/>
-              <a:t>5/11/2020</a:t>
+              <a:t>5/18/2020</a:t>
             </a:fld>
             <a:endParaRPr lang="en-US" dirty="0"/>
           </a:p>
@@ -8312,7 +8121,7 @@
           <a:p>
             <a:fld id="{87DE6118-2437-4B30-8E3C-4D2BE6020583}" type="datetimeFigureOut">
               <a:rPr lang="en-US" dirty="0"/>
-              <a:t>5/11/2020</a:t>
+              <a:t>5/18/2020</a:t>
             </a:fld>
             <a:endParaRPr lang="en-US" dirty="0"/>
           </a:p>
@@ -8425,7 +8234,7 @@
           <a:p>
             <a:fld id="{87DE6118-2437-4B30-8E3C-4D2BE6020583}" type="datetimeFigureOut">
               <a:rPr lang="en-US" dirty="0"/>
-              <a:t>5/11/2020</a:t>
+              <a:t>5/18/2020</a:t>
             </a:fld>
             <a:endParaRPr lang="en-US" dirty="0"/>
           </a:p>
@@ -8515,7 +8324,7 @@
           <a:p>
             <a:fld id="{87DE6118-2437-4B30-8E3C-4D2BE6020583}" type="datetimeFigureOut">
               <a:rPr lang="en-US" dirty="0"/>
-              <a:t>5/11/2020</a:t>
+              <a:t>5/18/2020</a:t>
             </a:fld>
             <a:endParaRPr lang="en-US" dirty="0"/>
           </a:p>
@@ -8857,7 +8666,7 @@
             <a:fld id="{87DE6118-2437-4B30-8E3C-4D2BE6020583}" type="datetimeFigureOut">
               <a:rPr lang="en-US" dirty="0"/>
               <a:pPr/>
-              <a:t>5/11/2020</a:t>
+              <a:t>5/18/2020</a:t>
             </a:fld>
             <a:endParaRPr lang="en-US" dirty="0"/>
           </a:p>
@@ -9242,7 +9051,7 @@
             <a:fld id="{87DE6118-2437-4B30-8E3C-4D2BE6020583}" type="datetimeFigureOut">
               <a:rPr lang="en-US" dirty="0"/>
               <a:pPr/>
-              <a:t>5/11/2020</a:t>
+              <a:t>5/18/2020</a:t>
             </a:fld>
             <a:endParaRPr lang="en-US" dirty="0"/>
           </a:p>
@@ -9517,7 +9326,7 @@
             <a:fld id="{87DE6118-2437-4B30-8E3C-4D2BE6020583}" type="datetimeFigureOut">
               <a:rPr lang="en-US" dirty="0"/>
               <a:pPr/>
-              <a:t>5/11/2020</a:t>
+              <a:t>5/18/2020</a:t>
             </a:fld>
             <a:endParaRPr lang="en-US" dirty="0"/>
           </a:p>
@@ -10373,6 +10182,66 @@
           <a:chExt cx="0" cy="0"/>
         </a:xfrm>
       </p:grpSpPr>
+      <p:sp useBgFill="1">
+        <p:nvSpPr>
+          <p:cNvPr id="10" name="Rectangle 9">
+            <a:extLst>
+              <a:ext uri="{FF2B5EF4-FFF2-40B4-BE49-F238E27FC236}">
+                <a16:creationId xmlns:a16="http://schemas.microsoft.com/office/drawing/2014/main" id="{1E1665A6-74DB-4F44-A6EF-F01205E8718B}"/>
+              </a:ext>
+              <a:ext uri="{C183D7F6-B498-43B3-948B-1728B52AA6E4}">
+                <adec:decorative xmlns:adec="http://schemas.microsoft.com/office/drawing/2017/decorative" val="1"/>
+              </a:ext>
+            </a:extLst>
+          </p:cNvPr>
+          <p:cNvSpPr>
+            <a:spLocks noGrp="1" noRot="1" noChangeAspect="1" noMove="1" noResize="1" noEditPoints="1" noAdjustHandles="1" noChangeArrowheads="1" noChangeShapeType="1" noTextEdit="1"/>
+          </p:cNvSpPr>
+          <p:nvPr>
+            <p:extLst>
+              <p:ext uri="{386F3935-93C4-4BCD-93E2-E3B085C9AB24}">
+                <p16:designElem xmlns:p16="http://schemas.microsoft.com/office/powerpoint/2015/main" val="1"/>
+              </p:ext>
+            </p:extLst>
+          </p:nvPr>
+        </p:nvSpPr>
+        <p:spPr>
+          <a:xfrm>
+            <a:off x="0" y="0"/>
+            <a:ext cx="12192000" cy="6858000"/>
+          </a:xfrm>
+          <a:prstGeom prst="rect">
+            <a:avLst/>
+          </a:prstGeom>
+          <a:ln>
+            <a:noFill/>
+          </a:ln>
+        </p:spPr>
+        <p:style>
+          <a:lnRef idx="2">
+            <a:schemeClr val="accent1">
+              <a:shade val="50000"/>
+            </a:schemeClr>
+          </a:lnRef>
+          <a:fillRef idx="1001">
+            <a:schemeClr val="lt2"/>
+          </a:fillRef>
+          <a:effectRef idx="0">
+            <a:schemeClr val="accent1"/>
+          </a:effectRef>
+          <a:fontRef idx="minor">
+            <a:schemeClr val="lt1"/>
+          </a:fontRef>
+        </p:style>
+        <p:txBody>
+          <a:bodyPr rtlCol="0" anchor="ctr"/>
+          <a:lstStyle/>
+          <a:p>
+            <a:pPr algn="ctr"/>
+            <a:endParaRPr lang="en-US"/>
+          </a:p>
+        </p:txBody>
+      </p:sp>
       <p:sp>
         <p:nvSpPr>
           <p:cNvPr id="2" name="Nadpis 1">
@@ -10391,9 +10260,10 @@
         </p:nvSpPr>
         <p:spPr>
           <a:xfrm>
-            <a:off x="1371600" y="685800"/>
-            <a:ext cx="9601200" cy="1485900"/>
+            <a:off x="643467" y="685800"/>
+            <a:ext cx="10905066" cy="1485900"/>
           </a:xfrm>
+          <a:noFill/>
         </p:spPr>
         <p:txBody>
           <a:bodyPr>
@@ -10401,20 +10271,21 @@
           </a:bodyPr>
           <a:lstStyle/>
           <a:p>
+            <a:pPr algn="ctr"/>
             <a:r>
-              <a:rPr lang="cs-CZ" dirty="0"/>
+              <a:rPr lang="cs-CZ"/>
               <a:t>Aktuální stav</a:t>
             </a:r>
-            <a:endParaRPr lang="en-GB" dirty="0"/>
+            <a:endParaRPr lang="en-GB"/>
           </a:p>
         </p:txBody>
       </p:sp>
       <p:graphicFrame>
         <p:nvGraphicFramePr>
-          <p:cNvPr id="7" name="Zástupný obsah 2">
+          <p:cNvPr id="5" name="Zástupný obsah 2">
             <a:extLst>
               <a:ext uri="{FF2B5EF4-FFF2-40B4-BE49-F238E27FC236}">
-                <a16:creationId xmlns:a16="http://schemas.microsoft.com/office/drawing/2014/main" id="{66522A81-69D3-4984-96EA-80A694CF459E}"/>
+                <a16:creationId xmlns:a16="http://schemas.microsoft.com/office/drawing/2014/main" id="{CABF4D5B-01CA-4A13-A342-13904709FDA1}"/>
               </a:ext>
             </a:extLst>
           </p:cNvPr>
@@ -10425,14 +10296,14 @@
             <p:ph idx="1"/>
             <p:extLst>
               <p:ext uri="{D42A27DB-BD31-4B8C-83A1-F6EECF244321}">
-                <p14:modId xmlns:p14="http://schemas.microsoft.com/office/powerpoint/2010/main" val="1046407934"/>
+                <p14:modId xmlns:p14="http://schemas.microsoft.com/office/powerpoint/2010/main" val="1229545989"/>
               </p:ext>
             </p:extLst>
           </p:nvPr>
         </p:nvGraphicFramePr>
         <p:xfrm>
-          <a:off x="1371600" y="2286000"/>
-          <a:ext cx="9601200" cy="3581400"/>
+          <a:off x="1122972" y="2286000"/>
+          <a:ext cx="9946056" cy="3581400"/>
         </p:xfrm>
         <a:graphic>
           <a:graphicData uri="http://schemas.openxmlformats.org/drawingml/2006/diagram">
@@ -10440,66 +10311,6 @@
           </a:graphicData>
         </a:graphic>
       </p:graphicFrame>
-      <p:sp>
-        <p:nvSpPr>
-          <p:cNvPr id="6" name="Obdélník 5" descr="Crying Face with No Fill">
-            <a:extLst>
-              <a:ext uri="{FF2B5EF4-FFF2-40B4-BE49-F238E27FC236}">
-                <a16:creationId xmlns:a16="http://schemas.microsoft.com/office/drawing/2014/main" id="{69CA885E-FCC1-48D4-BA20-A8DC547201FC}"/>
-              </a:ext>
-            </a:extLst>
-          </p:cNvPr>
-          <p:cNvSpPr/>
-          <p:nvPr/>
-        </p:nvSpPr>
-        <p:spPr>
-          <a:xfrm>
-            <a:off x="9213848" y="2969148"/>
-            <a:ext cx="919704" cy="919704"/>
-          </a:xfrm>
-          <a:prstGeom prst="rect">
-            <a:avLst/>
-          </a:prstGeom>
-          <a:blipFill rotWithShape="1">
-            <a:blip r:embed="rId7">
-              <a:extLst>
-                <a:ext uri="{28A0092B-C50C-407E-A947-70E740481C1C}">
-                  <a14:useLocalDpi xmlns:a14="http://schemas.microsoft.com/office/drawing/2010/main" val="0"/>
-                </a:ext>
-                <a:ext uri="{96DAC541-7B7A-43D3-8B79-37D633B846F1}">
-                  <asvg:svgBlip xmlns:asvg="http://schemas.microsoft.com/office/drawing/2016/SVG/main" r:embed="rId8"/>
-                </a:ext>
-              </a:extLst>
-            </a:blip>
-            <a:srcRect/>
-            <a:stretch>
-              <a:fillRect/>
-            </a:stretch>
-          </a:blipFill>
-          <a:ln>
-            <a:noFill/>
-          </a:ln>
-        </p:spPr>
-        <p:style>
-          <a:lnRef idx="2">
-            <a:scrgbClr r="0" g="0" b="0"/>
-          </a:lnRef>
-          <a:fillRef idx="1">
-            <a:scrgbClr r="0" g="0" b="0"/>
-          </a:fillRef>
-          <a:effectRef idx="0">
-            <a:schemeClr val="accent5">
-              <a:hueOff val="0"/>
-              <a:satOff val="0"/>
-              <a:lumOff val="0"/>
-              <a:alphaOff val="0"/>
-            </a:schemeClr>
-          </a:effectRef>
-          <a:fontRef idx="minor">
-            <a:schemeClr val="lt1"/>
-          </a:fontRef>
-        </p:style>
-      </p:sp>
     </p:spTree>
     <p:extLst>
       <p:ext uri="{BB962C8B-B14F-4D97-AF65-F5344CB8AC3E}">
@@ -10540,7 +10351,7 @@
       </p:grpSpPr>
       <p:sp useBgFill="1">
         <p:nvSpPr>
-          <p:cNvPr id="29" name="Rectangle 28">
+          <p:cNvPr id="38" name="Rectangle 37">
             <a:extLst>
               <a:ext uri="{FF2B5EF4-FFF2-40B4-BE49-F238E27FC236}">
                 <a16:creationId xmlns:a16="http://schemas.microsoft.com/office/drawing/2014/main" id="{48C110B4-D26A-44C6-8576-236CA24E98C1}"/>
@@ -10643,10 +10454,10 @@
       </p:sp>
       <p:pic>
         <p:nvPicPr>
-          <p:cNvPr id="7" name="Obrázek 6">
+          <p:cNvPr id="3" name="Obrázek 2">
             <a:extLst>
               <a:ext uri="{FF2B5EF4-FFF2-40B4-BE49-F238E27FC236}">
-                <a16:creationId xmlns:a16="http://schemas.microsoft.com/office/drawing/2014/main" id="{B7FFB725-B593-435C-9785-4757694E8624}"/>
+                <a16:creationId xmlns:a16="http://schemas.microsoft.com/office/drawing/2014/main" id="{534C42FB-141A-4579-98F1-F3F876F7454C}"/>
               </a:ext>
             </a:extLst>
           </p:cNvPr>
@@ -10663,8 +10474,8 @@
         </p:blipFill>
         <p:spPr>
           <a:xfrm>
-            <a:off x="86360" y="362139"/>
-            <a:ext cx="5848774" cy="3172959"/>
+            <a:off x="120048" y="643468"/>
+            <a:ext cx="5974428" cy="2912532"/>
           </a:xfrm>
           <a:prstGeom prst="rect">
             <a:avLst/>
@@ -10693,8 +10504,8 @@
         </p:blipFill>
         <p:spPr>
           <a:xfrm>
-            <a:off x="6464823" y="362139"/>
-            <a:ext cx="5640817" cy="3172959"/>
+            <a:off x="6313780" y="643467"/>
+            <a:ext cx="5177837" cy="2912533"/>
           </a:xfrm>
           <a:prstGeom prst="rect">
             <a:avLst/>
@@ -10703,7 +10514,7 @@
       </p:pic>
       <p:sp>
         <p:nvSpPr>
-          <p:cNvPr id="31" name="Freeform: Shape 30">
+          <p:cNvPr id="40" name="Freeform: Shape 39">
             <a:extLst>
               <a:ext uri="{FF2B5EF4-FFF2-40B4-BE49-F238E27FC236}">
                 <a16:creationId xmlns:a16="http://schemas.microsoft.com/office/drawing/2014/main" id="{5BFD4DBB-3229-4DF6-A68A-CD91F8325879}"/>
@@ -10831,39 +10642,39 @@
         </p:spPr>
         <p:txBody>
           <a:bodyPr>
-            <a:normAutofit fontScale="92500" lnSpcReduction="10000"/>
+            <a:normAutofit/>
           </a:bodyPr>
           <a:lstStyle/>
           <a:p>
             <a:r>
-              <a:rPr lang="cs-CZ" sz="1800" dirty="0"/>
+              <a:rPr lang="cs-CZ" sz="1500"/>
               <a:t>Přidáno okno a tlačítka pro třetinu</a:t>
             </a:r>
           </a:p>
           <a:p>
-            <a:endParaRPr lang="cs-CZ" sz="1800" dirty="0"/>
+            <a:endParaRPr lang="cs-CZ" sz="1500"/>
           </a:p>
           <a:p>
             <a:r>
-              <a:rPr lang="cs-CZ" sz="1800" dirty="0"/>
+              <a:rPr lang="cs-CZ" sz="1500"/>
               <a:t>Start/Stop rozděleno</a:t>
             </a:r>
           </a:p>
           <a:p>
-            <a:endParaRPr lang="cs-CZ" sz="1800" dirty="0"/>
+            <a:endParaRPr lang="cs-CZ" sz="1500"/>
           </a:p>
           <a:p>
             <a:r>
-              <a:rPr lang="cs-CZ" sz="1800" dirty="0"/>
+              <a:rPr lang="cs-CZ" sz="1500"/>
               <a:t>Přidávací lišty</a:t>
             </a:r>
-            <a:endParaRPr lang="en-US" sz="1800" dirty="0"/>
+            <a:endParaRPr lang="en-US" sz="1500"/>
           </a:p>
         </p:txBody>
       </p:sp>
       <p:sp>
         <p:nvSpPr>
-          <p:cNvPr id="33" name="Freeform: Shape 32">
+          <p:cNvPr id="42" name="Freeform: Shape 41">
             <a:extLst>
               <a:ext uri="{FF2B5EF4-FFF2-40B4-BE49-F238E27FC236}">
                 <a16:creationId xmlns:a16="http://schemas.microsoft.com/office/drawing/2014/main" id="{792979E5-1F93-4CE3-975E-3CAEC618BFB3}"/>
@@ -11007,7 +10818,7 @@
       </p:grpSpPr>
       <p:sp useBgFill="1">
         <p:nvSpPr>
-          <p:cNvPr id="22" name="Rectangle 21">
+          <p:cNvPr id="31" name="Rectangle 30">
             <a:extLst>
               <a:ext uri="{FF2B5EF4-FFF2-40B4-BE49-F238E27FC236}">
                 <a16:creationId xmlns:a16="http://schemas.microsoft.com/office/drawing/2014/main" id="{48C110B4-D26A-44C6-8576-236CA24E98C1}"/>
@@ -11101,19 +10912,19 @@
               <a:rPr lang="cs-CZ" dirty="0"/>
             </a:br>
             <a:r>
-              <a:rPr lang="cs-CZ" sz="3600" dirty="0"/>
+              <a:rPr lang="cs-CZ"/>
               <a:t>(pro diváky)</a:t>
             </a:r>
-            <a:endParaRPr lang="en-GB" sz="3600" dirty="0"/>
+            <a:endParaRPr lang="en-GB"/>
           </a:p>
         </p:txBody>
       </p:sp>
       <p:pic>
         <p:nvPicPr>
-          <p:cNvPr id="5" name="Zástupný obsah 4" descr="Obsah obrázku snímek obrazovky&#10;&#10;Popis byl vytvořen automaticky">
+          <p:cNvPr id="3" name="Obrázek 2">
             <a:extLst>
               <a:ext uri="{FF2B5EF4-FFF2-40B4-BE49-F238E27FC236}">
-                <a16:creationId xmlns:a16="http://schemas.microsoft.com/office/drawing/2014/main" id="{ABCDCAD5-49F8-4D8E-AA8B-A594B2509176}"/>
+                <a16:creationId xmlns:a16="http://schemas.microsoft.com/office/drawing/2014/main" id="{95F4BA0E-989C-441B-821E-05A0A199FAB2}"/>
               </a:ext>
             </a:extLst>
           </p:cNvPr>
@@ -11130,7 +10941,37 @@
         </p:blipFill>
         <p:spPr>
           <a:xfrm>
-            <a:off x="6935774" y="596939"/>
+            <a:off x="234184" y="627815"/>
+            <a:ext cx="6164094" cy="2912533"/>
+          </a:xfrm>
+          <a:prstGeom prst="rect">
+            <a:avLst/>
+          </a:prstGeom>
+        </p:spPr>
+      </p:pic>
+      <p:pic>
+        <p:nvPicPr>
+          <p:cNvPr id="5" name="Zástupný obsah 4" descr="Obsah obrázku snímek obrazovky&#10;&#10;Popis byl vytvořen automaticky">
+            <a:extLst>
+              <a:ext uri="{FF2B5EF4-FFF2-40B4-BE49-F238E27FC236}">
+                <a16:creationId xmlns:a16="http://schemas.microsoft.com/office/drawing/2014/main" id="{ABCDCAD5-49F8-4D8E-AA8B-A594B2509176}"/>
+              </a:ext>
+            </a:extLst>
+          </p:cNvPr>
+          <p:cNvPicPr>
+            <a:picLocks noChangeAspect="1"/>
+          </p:cNvPicPr>
+          <p:nvPr/>
+        </p:nvPicPr>
+        <p:blipFill>
+          <a:blip r:embed="rId3"/>
+          <a:stretch>
+            <a:fillRect/>
+          </a:stretch>
+        </p:blipFill>
+        <p:spPr>
+          <a:xfrm>
+            <a:off x="6632462" y="627815"/>
             <a:ext cx="5177837" cy="2912533"/>
           </a:xfrm>
           <a:prstGeom prst="rect">
@@ -11140,7 +10981,7 @@
       </p:pic>
       <p:sp>
         <p:nvSpPr>
-          <p:cNvPr id="24" name="Freeform: Shape 23">
+          <p:cNvPr id="33" name="Freeform: Shape 32">
             <a:extLst>
               <a:ext uri="{FF2B5EF4-FFF2-40B4-BE49-F238E27FC236}">
                 <a16:creationId xmlns:a16="http://schemas.microsoft.com/office/drawing/2014/main" id="{5BFD4DBB-3229-4DF6-A68A-CD91F8325879}"/>
@@ -11283,11 +11124,11 @@
           <a:p>
             <a:r>
               <a:rPr lang="cs-CZ" sz="1800" dirty="0"/>
-              <a:t>Žádné úpravy, pouze čtení z </a:t>
+              <a:t>Přidány </a:t>
             </a:r>
             <a:r>
               <a:rPr lang="cs-CZ" sz="1800" dirty="0" err="1"/>
-              <a:t>datamodelu</a:t>
+              <a:t>timeouty</a:t>
             </a:r>
             <a:endParaRPr lang="en-US" sz="1800" dirty="0"/>
           </a:p>
@@ -11295,7 +11136,7 @@
       </p:sp>
       <p:sp>
         <p:nvSpPr>
-          <p:cNvPr id="26" name="Freeform: Shape 25">
+          <p:cNvPr id="35" name="Freeform: Shape 34">
             <a:extLst>
               <a:ext uri="{FF2B5EF4-FFF2-40B4-BE49-F238E27FC236}">
                 <a16:creationId xmlns:a16="http://schemas.microsoft.com/office/drawing/2014/main" id="{792979E5-1F93-4CE3-975E-3CAEC618BFB3}"/>
@@ -11399,36 +11240,6 @@
           </a:ln>
         </p:spPr>
       </p:sp>
-      <p:pic>
-        <p:nvPicPr>
-          <p:cNvPr id="8" name="Obrázek 7">
-            <a:extLst>
-              <a:ext uri="{FF2B5EF4-FFF2-40B4-BE49-F238E27FC236}">
-                <a16:creationId xmlns:a16="http://schemas.microsoft.com/office/drawing/2014/main" id="{2E222406-8854-4043-B70C-02B896DF2779}"/>
-              </a:ext>
-            </a:extLst>
-          </p:cNvPr>
-          <p:cNvPicPr>
-            <a:picLocks noChangeAspect="1"/>
-          </p:cNvPicPr>
-          <p:nvPr/>
-        </p:nvPicPr>
-        <p:blipFill>
-          <a:blip r:embed="rId3"/>
-          <a:stretch>
-            <a:fillRect/>
-          </a:stretch>
-        </p:blipFill>
-        <p:spPr>
-          <a:xfrm>
-            <a:off x="142200" y="596939"/>
-            <a:ext cx="6597453" cy="2912534"/>
-          </a:xfrm>
-          <a:prstGeom prst="rect">
-            <a:avLst/>
-          </a:prstGeom>
-        </p:spPr>
-      </p:pic>
     </p:spTree>
     <p:extLst>
       <p:ext uri="{BB962C8B-B14F-4D97-AF65-F5344CB8AC3E}">
@@ -11829,7 +11640,7 @@
             <p:ph idx="1"/>
             <p:extLst>
               <p:ext uri="{D42A27DB-BD31-4B8C-83A1-F6EECF244321}">
-                <p14:modId xmlns:p14="http://schemas.microsoft.com/office/powerpoint/2010/main" val="4114699109"/>
+                <p14:modId xmlns:p14="http://schemas.microsoft.com/office/powerpoint/2010/main" val="464763618"/>
               </p:ext>
             </p:extLst>
           </p:nvPr>
